--- a/CoinbaseBot Description.pptx
+++ b/CoinbaseBot Description.pptx
@@ -16,6 +16,7 @@
     <p:sldId id="268" r:id="rId10"/>
     <p:sldId id="269" r:id="rId11"/>
     <p:sldId id="270" r:id="rId12"/>
+    <p:sldId id="271" r:id="rId13"/>
   </p:sldIdLst>
   <p:sldSz cx="12192000" cy="6858000"/>
   <p:notesSz cx="6858000" cy="9144000"/>
@@ -348,7 +349,7 @@
           <a:p>
             <a:fld id="{E55CA842-C68E-493F-8DFA-43D154B655F2}" type="datetimeFigureOut">
               <a:rPr lang="fr-FR" smtClean="0"/>
-              <a:t>03/07/2021</a:t>
+              <a:t>20/07/2021</a:t>
             </a:fld>
             <a:endParaRPr lang="fr-FR"/>
           </a:p>
@@ -556,7 +557,7 @@
           <a:p>
             <a:fld id="{E55CA842-C68E-493F-8DFA-43D154B655F2}" type="datetimeFigureOut">
               <a:rPr lang="fr-FR" smtClean="0"/>
-              <a:t>03/07/2021</a:t>
+              <a:t>20/07/2021</a:t>
             </a:fld>
             <a:endParaRPr lang="fr-FR"/>
           </a:p>
@@ -812,7 +813,7 @@
           <a:p>
             <a:fld id="{E55CA842-C68E-493F-8DFA-43D154B655F2}" type="datetimeFigureOut">
               <a:rPr lang="fr-FR" smtClean="0"/>
-              <a:t>03/07/2021</a:t>
+              <a:t>20/07/2021</a:t>
             </a:fld>
             <a:endParaRPr lang="fr-FR"/>
           </a:p>
@@ -986,7 +987,7 @@
           <a:p>
             <a:fld id="{E55CA842-C68E-493F-8DFA-43D154B655F2}" type="datetimeFigureOut">
               <a:rPr lang="fr-FR" smtClean="0"/>
-              <a:t>03/07/2021</a:t>
+              <a:t>20/07/2021</a:t>
             </a:fld>
             <a:endParaRPr lang="fr-FR"/>
           </a:p>
@@ -1329,7 +1330,7 @@
           <a:p>
             <a:fld id="{E55CA842-C68E-493F-8DFA-43D154B655F2}" type="datetimeFigureOut">
               <a:rPr lang="fr-FR" smtClean="0"/>
-              <a:t>03/07/2021</a:t>
+              <a:t>20/07/2021</a:t>
             </a:fld>
             <a:endParaRPr lang="fr-FR"/>
           </a:p>
@@ -1604,7 +1605,7 @@
           <a:p>
             <a:fld id="{E55CA842-C68E-493F-8DFA-43D154B655F2}" type="datetimeFigureOut">
               <a:rPr lang="fr-FR" smtClean="0"/>
-              <a:t>03/07/2021</a:t>
+              <a:t>20/07/2021</a:t>
             </a:fld>
             <a:endParaRPr lang="fr-FR"/>
           </a:p>
@@ -1983,7 +1984,7 @@
           <a:p>
             <a:fld id="{E55CA842-C68E-493F-8DFA-43D154B655F2}" type="datetimeFigureOut">
               <a:rPr lang="fr-FR" smtClean="0"/>
-              <a:t>03/07/2021</a:t>
+              <a:t>20/07/2021</a:t>
             </a:fld>
             <a:endParaRPr lang="fr-FR"/>
           </a:p>
@@ -2101,7 +2102,7 @@
           <a:p>
             <a:fld id="{E55CA842-C68E-493F-8DFA-43D154B655F2}" type="datetimeFigureOut">
               <a:rPr lang="fr-FR" smtClean="0"/>
-              <a:t>03/07/2021</a:t>
+              <a:t>20/07/2021</a:t>
             </a:fld>
             <a:endParaRPr lang="fr-FR"/>
           </a:p>
@@ -2272,7 +2273,7 @@
           <a:p>
             <a:fld id="{E55CA842-C68E-493F-8DFA-43D154B655F2}" type="datetimeFigureOut">
               <a:rPr lang="fr-FR" smtClean="0"/>
-              <a:t>03/07/2021</a:t>
+              <a:t>20/07/2021</a:t>
             </a:fld>
             <a:endParaRPr lang="fr-FR"/>
           </a:p>
@@ -2626,7 +2627,7 @@
           <a:p>
             <a:fld id="{E55CA842-C68E-493F-8DFA-43D154B655F2}" type="datetimeFigureOut">
               <a:rPr lang="fr-FR" smtClean="0"/>
-              <a:t>03/07/2021</a:t>
+              <a:t>20/07/2021</a:t>
             </a:fld>
             <a:endParaRPr lang="fr-FR"/>
           </a:p>
@@ -3008,7 +3009,7 @@
           <a:p>
             <a:fld id="{E55CA842-C68E-493F-8DFA-43D154B655F2}" type="datetimeFigureOut">
               <a:rPr lang="fr-FR" smtClean="0"/>
-              <a:t>03/07/2021</a:t>
+              <a:t>20/07/2021</a:t>
             </a:fld>
             <a:endParaRPr lang="fr-FR"/>
           </a:p>
@@ -3295,7 +3296,7 @@
           <a:p>
             <a:fld id="{E55CA842-C68E-493F-8DFA-43D154B655F2}" type="datetimeFigureOut">
               <a:rPr lang="fr-FR" smtClean="0"/>
-              <a:t>03/07/2021</a:t>
+              <a:t>20/07/2021</a:t>
             </a:fld>
             <a:endParaRPr lang="fr-FR"/>
           </a:p>
@@ -5691,6 +5692,640 @@
     <p:extLst>
       <p:ext uri="{BB962C8B-B14F-4D97-AF65-F5344CB8AC3E}">
         <p14:creationId xmlns:p14="http://schemas.microsoft.com/office/powerpoint/2010/main" val="2824164500"/>
+      </p:ext>
+    </p:extLst>
+  </p:cSld>
+  <p:clrMapOvr>
+    <a:masterClrMapping/>
+  </p:clrMapOvr>
+</p:sld>
+</file>
+
+<file path=ppt/slides/slide12.xml><?xml version="1.0" encoding="utf-8"?>
+<p:sld xmlns:a="http://schemas.openxmlformats.org/drawingml/2006/main" xmlns:r="http://schemas.openxmlformats.org/officeDocument/2006/relationships" xmlns:p="http://schemas.openxmlformats.org/presentationml/2006/main">
+  <p:cSld>
+    <p:spTree>
+      <p:nvGrpSpPr>
+        <p:cNvPr id="1" name=""/>
+        <p:cNvGrpSpPr/>
+        <p:nvPr/>
+      </p:nvGrpSpPr>
+      <p:grpSpPr>
+        <a:xfrm>
+          <a:off x="0" y="0"/>
+          <a:ext cx="0" cy="0"/>
+          <a:chOff x="0" y="0"/>
+          <a:chExt cx="0" cy="0"/>
+        </a:xfrm>
+      </p:grpSpPr>
+      <p:sp>
+        <p:nvSpPr>
+          <p:cNvPr id="38" name="Rectangle : coins arrondis 37">
+            <a:extLst>
+              <a:ext uri="{FF2B5EF4-FFF2-40B4-BE49-F238E27FC236}">
+                <a16:creationId xmlns:a16="http://schemas.microsoft.com/office/drawing/2014/main" id="{70C0EE94-5DBA-4B32-9A58-F5279D7E4D32}"/>
+              </a:ext>
+            </a:extLst>
+          </p:cNvPr>
+          <p:cNvSpPr/>
+          <p:nvPr/>
+        </p:nvSpPr>
+        <p:spPr>
+          <a:xfrm>
+            <a:off x="4282444" y="2112885"/>
+            <a:ext cx="6169980" cy="1855433"/>
+          </a:xfrm>
+          <a:prstGeom prst="roundRect">
+            <a:avLst/>
+          </a:prstGeom>
+          <a:solidFill>
+            <a:srgbClr val="E48312">
+              <a:alpha val="16078"/>
+            </a:srgbClr>
+          </a:solidFill>
+        </p:spPr>
+        <p:style>
+          <a:lnRef idx="2">
+            <a:schemeClr val="accent1">
+              <a:shade val="50000"/>
+            </a:schemeClr>
+          </a:lnRef>
+          <a:fillRef idx="1">
+            <a:schemeClr val="accent1"/>
+          </a:fillRef>
+          <a:effectRef idx="0">
+            <a:schemeClr val="accent1"/>
+          </a:effectRef>
+          <a:fontRef idx="minor">
+            <a:schemeClr val="lt1"/>
+          </a:fontRef>
+        </p:style>
+        <p:txBody>
+          <a:bodyPr rtlCol="0" anchor="ctr"/>
+          <a:lstStyle/>
+          <a:p>
+            <a:pPr algn="ctr"/>
+            <a:endParaRPr lang="en-US" dirty="0"/>
+          </a:p>
+        </p:txBody>
+      </p:sp>
+      <p:sp>
+        <p:nvSpPr>
+          <p:cNvPr id="2" name="Titre 1">
+            <a:extLst>
+              <a:ext uri="{FF2B5EF4-FFF2-40B4-BE49-F238E27FC236}">
+                <a16:creationId xmlns:a16="http://schemas.microsoft.com/office/drawing/2014/main" id="{4E1AF369-49F2-4B3E-B933-DC7452BE624D}"/>
+              </a:ext>
+            </a:extLst>
+          </p:cNvPr>
+          <p:cNvSpPr>
+            <a:spLocks noGrp="1"/>
+          </p:cNvSpPr>
+          <p:nvPr>
+            <p:ph type="title"/>
+          </p:nvPr>
+        </p:nvSpPr>
+        <p:spPr/>
+        <p:txBody>
+          <a:bodyPr/>
+          <a:lstStyle/>
+          <a:p>
+            <a:r>
+              <a:rPr lang="fr-FR" dirty="0"/>
+              <a:t>Architecture</a:t>
+            </a:r>
+          </a:p>
+        </p:txBody>
+      </p:sp>
+      <p:sp>
+        <p:nvSpPr>
+          <p:cNvPr id="5" name="Rectangle : coins arrondis 4">
+            <a:extLst>
+              <a:ext uri="{FF2B5EF4-FFF2-40B4-BE49-F238E27FC236}">
+                <a16:creationId xmlns:a16="http://schemas.microsoft.com/office/drawing/2014/main" id="{687F6EBB-C549-43C7-A077-6BB8FF89068B}"/>
+              </a:ext>
+            </a:extLst>
+          </p:cNvPr>
+          <p:cNvSpPr/>
+          <p:nvPr/>
+        </p:nvSpPr>
+        <p:spPr>
+          <a:xfrm>
+            <a:off x="5656796" y="2816909"/>
+            <a:ext cx="1028154" cy="781734"/>
+          </a:xfrm>
+          <a:prstGeom prst="roundRect">
+            <a:avLst/>
+          </a:prstGeom>
+        </p:spPr>
+        <p:style>
+          <a:lnRef idx="2">
+            <a:schemeClr val="accent1">
+              <a:shade val="50000"/>
+            </a:schemeClr>
+          </a:lnRef>
+          <a:fillRef idx="1">
+            <a:schemeClr val="accent1"/>
+          </a:fillRef>
+          <a:effectRef idx="0">
+            <a:schemeClr val="accent1"/>
+          </a:effectRef>
+          <a:fontRef idx="minor">
+            <a:schemeClr val="lt1"/>
+          </a:fontRef>
+        </p:style>
+        <p:txBody>
+          <a:bodyPr rtlCol="0" anchor="ctr"/>
+          <a:lstStyle/>
+          <a:p>
+            <a:pPr algn="ctr"/>
+            <a:r>
+              <a:rPr lang="fr-FR" sz="1050" b="1" dirty="0"/>
+              <a:t>DQN</a:t>
+            </a:r>
+          </a:p>
+          <a:p>
+            <a:pPr algn="ctr"/>
+            <a:r>
+              <a:rPr lang="fr-FR" sz="1050" b="1" dirty="0"/>
+              <a:t>Agent</a:t>
+            </a:r>
+            <a:endParaRPr lang="en-US" sz="1050" b="1" dirty="0"/>
+          </a:p>
+        </p:txBody>
+      </p:sp>
+      <p:cxnSp>
+        <p:nvCxnSpPr>
+          <p:cNvPr id="6" name="Connecteur droit avec flèche 5">
+            <a:extLst>
+              <a:ext uri="{FF2B5EF4-FFF2-40B4-BE49-F238E27FC236}">
+                <a16:creationId xmlns:a16="http://schemas.microsoft.com/office/drawing/2014/main" id="{DA346169-8C30-4C10-AD52-C270290219F7}"/>
+              </a:ext>
+            </a:extLst>
+          </p:cNvPr>
+          <p:cNvCxnSpPr>
+            <a:cxnSpLocks/>
+            <a:stCxn id="5" idx="3"/>
+            <a:endCxn id="11" idx="1"/>
+          </p:cNvCxnSpPr>
+          <p:nvPr/>
+        </p:nvCxnSpPr>
+        <p:spPr>
+          <a:xfrm>
+            <a:off x="6684950" y="3207776"/>
+            <a:ext cx="1002066" cy="12700"/>
+          </a:xfrm>
+          <a:prstGeom prst="straightConnector1">
+            <a:avLst/>
+          </a:prstGeom>
+          <a:ln w="38100">
+            <a:solidFill>
+              <a:schemeClr val="accent2"/>
+            </a:solidFill>
+            <a:tailEnd type="triangle"/>
+          </a:ln>
+        </p:spPr>
+        <p:style>
+          <a:lnRef idx="1">
+            <a:schemeClr val="accent1"/>
+          </a:lnRef>
+          <a:fillRef idx="0">
+            <a:schemeClr val="accent1"/>
+          </a:fillRef>
+          <a:effectRef idx="0">
+            <a:schemeClr val="accent1"/>
+          </a:effectRef>
+          <a:fontRef idx="minor">
+            <a:schemeClr val="tx1"/>
+          </a:fontRef>
+        </p:style>
+      </p:cxnSp>
+      <p:sp>
+        <p:nvSpPr>
+          <p:cNvPr id="8" name="ZoneTexte 7">
+            <a:extLst>
+              <a:ext uri="{FF2B5EF4-FFF2-40B4-BE49-F238E27FC236}">
+                <a16:creationId xmlns:a16="http://schemas.microsoft.com/office/drawing/2014/main" id="{2A99F3FD-6718-4278-B83C-244427EC5353}"/>
+              </a:ext>
+            </a:extLst>
+          </p:cNvPr>
+          <p:cNvSpPr txBox="1"/>
+          <p:nvPr/>
+        </p:nvSpPr>
+        <p:spPr>
+          <a:xfrm>
+            <a:off x="4512048" y="3132667"/>
+            <a:ext cx="949299" cy="230832"/>
+          </a:xfrm>
+          <a:prstGeom prst="rect">
+            <a:avLst/>
+          </a:prstGeom>
+          <a:noFill/>
+        </p:spPr>
+        <p:txBody>
+          <a:bodyPr wrap="none" rtlCol="0">
+            <a:spAutoFit/>
+          </a:bodyPr>
+          <a:lstStyle/>
+          <a:p>
+            <a:r>
+              <a:rPr lang="fr-FR" sz="900" dirty="0"/>
+              <a:t>STATE, REWARD</a:t>
+            </a:r>
+            <a:endParaRPr lang="en-US" sz="900" dirty="0"/>
+          </a:p>
+        </p:txBody>
+      </p:sp>
+      <p:sp>
+        <p:nvSpPr>
+          <p:cNvPr id="10" name="ZoneTexte 9">
+            <a:extLst>
+              <a:ext uri="{FF2B5EF4-FFF2-40B4-BE49-F238E27FC236}">
+                <a16:creationId xmlns:a16="http://schemas.microsoft.com/office/drawing/2014/main" id="{F1DA1522-A949-4836-A13F-F8C0598EA387}"/>
+              </a:ext>
+            </a:extLst>
+          </p:cNvPr>
+          <p:cNvSpPr txBox="1"/>
+          <p:nvPr/>
+        </p:nvSpPr>
+        <p:spPr>
+          <a:xfrm>
+            <a:off x="6910254" y="2964327"/>
+            <a:ext cx="634735" cy="399172"/>
+          </a:xfrm>
+          <a:prstGeom prst="rect">
+            <a:avLst/>
+          </a:prstGeom>
+          <a:noFill/>
+        </p:spPr>
+        <p:txBody>
+          <a:bodyPr wrap="none" rtlCol="0">
+            <a:spAutoFit/>
+          </a:bodyPr>
+          <a:lstStyle/>
+          <a:p>
+            <a:r>
+              <a:rPr lang="fr-FR" sz="900" dirty="0"/>
+              <a:t>ACTION</a:t>
+            </a:r>
+            <a:endParaRPr lang="en-US" sz="900" dirty="0"/>
+          </a:p>
+        </p:txBody>
+      </p:sp>
+      <p:sp>
+        <p:nvSpPr>
+          <p:cNvPr id="11" name="Rectangle : coins arrondis 10">
+            <a:extLst>
+              <a:ext uri="{FF2B5EF4-FFF2-40B4-BE49-F238E27FC236}">
+                <a16:creationId xmlns:a16="http://schemas.microsoft.com/office/drawing/2014/main" id="{72EE140F-6062-4082-9E21-D5CFEF2A5DE0}"/>
+              </a:ext>
+            </a:extLst>
+          </p:cNvPr>
+          <p:cNvSpPr/>
+          <p:nvPr/>
+        </p:nvSpPr>
+        <p:spPr>
+          <a:xfrm>
+            <a:off x="7687016" y="2829608"/>
+            <a:ext cx="1749856" cy="781736"/>
+          </a:xfrm>
+          <a:prstGeom prst="roundRect">
+            <a:avLst/>
+          </a:prstGeom>
+          <a:solidFill>
+            <a:schemeClr val="tx2">
+              <a:lumMod val="75000"/>
+            </a:schemeClr>
+          </a:solidFill>
+        </p:spPr>
+        <p:style>
+          <a:lnRef idx="2">
+            <a:schemeClr val="accent1">
+              <a:shade val="50000"/>
+            </a:schemeClr>
+          </a:lnRef>
+          <a:fillRef idx="1">
+            <a:schemeClr val="accent1"/>
+          </a:fillRef>
+          <a:effectRef idx="0">
+            <a:schemeClr val="accent1"/>
+          </a:effectRef>
+          <a:fontRef idx="minor">
+            <a:schemeClr val="lt1"/>
+          </a:fontRef>
+        </p:style>
+        <p:txBody>
+          <a:bodyPr rtlCol="0" anchor="ctr"/>
+          <a:lstStyle/>
+          <a:p>
+            <a:pPr algn="ctr"/>
+            <a:r>
+              <a:rPr lang="fr-FR" sz="1050" b="1" dirty="0" err="1"/>
+              <a:t>Environment</a:t>
+            </a:r>
+            <a:endParaRPr lang="fr-FR" sz="1050" b="1" dirty="0"/>
+          </a:p>
+        </p:txBody>
+      </p:sp>
+      <p:cxnSp>
+        <p:nvCxnSpPr>
+          <p:cNvPr id="17" name="Connecteur : en angle 16">
+            <a:extLst>
+              <a:ext uri="{FF2B5EF4-FFF2-40B4-BE49-F238E27FC236}">
+                <a16:creationId xmlns:a16="http://schemas.microsoft.com/office/drawing/2014/main" id="{088F110F-738F-4359-83AA-15AD1A6B4C72}"/>
+              </a:ext>
+            </a:extLst>
+          </p:cNvPr>
+          <p:cNvCxnSpPr>
+            <a:cxnSpLocks/>
+            <a:stCxn id="11" idx="3"/>
+            <a:endCxn id="5" idx="1"/>
+          </p:cNvCxnSpPr>
+          <p:nvPr/>
+        </p:nvCxnSpPr>
+        <p:spPr>
+          <a:xfrm flipH="1" flipV="1">
+            <a:off x="5656796" y="3207776"/>
+            <a:ext cx="3780076" cy="12700"/>
+          </a:xfrm>
+          <a:prstGeom prst="bentConnector5">
+            <a:avLst>
+              <a:gd name="adj1" fmla="val -6047"/>
+              <a:gd name="adj2" fmla="val 4977693"/>
+              <a:gd name="adj3" fmla="val 106047"/>
+            </a:avLst>
+          </a:prstGeom>
+          <a:ln w="38100">
+            <a:tailEnd type="triangle"/>
+          </a:ln>
+        </p:spPr>
+        <p:style>
+          <a:lnRef idx="1">
+            <a:schemeClr val="accent2"/>
+          </a:lnRef>
+          <a:fillRef idx="0">
+            <a:schemeClr val="accent2"/>
+          </a:fillRef>
+          <a:effectRef idx="0">
+            <a:schemeClr val="accent2"/>
+          </a:effectRef>
+          <a:fontRef idx="minor">
+            <a:schemeClr val="tx1"/>
+          </a:fontRef>
+        </p:style>
+      </p:cxnSp>
+      <p:sp>
+        <p:nvSpPr>
+          <p:cNvPr id="39" name="ZoneTexte 38">
+            <a:extLst>
+              <a:ext uri="{FF2B5EF4-FFF2-40B4-BE49-F238E27FC236}">
+                <a16:creationId xmlns:a16="http://schemas.microsoft.com/office/drawing/2014/main" id="{F9255FD0-585A-42FF-86E3-8DB433FAE630}"/>
+              </a:ext>
+            </a:extLst>
+          </p:cNvPr>
+          <p:cNvSpPr txBox="1"/>
+          <p:nvPr/>
+        </p:nvSpPr>
+        <p:spPr>
+          <a:xfrm>
+            <a:off x="2947824" y="2032598"/>
+            <a:ext cx="1164101" cy="600164"/>
+          </a:xfrm>
+          <a:prstGeom prst="rect">
+            <a:avLst/>
+          </a:prstGeom>
+          <a:noFill/>
+        </p:spPr>
+        <p:txBody>
+          <a:bodyPr wrap="none" rtlCol="0">
+            <a:spAutoFit/>
+          </a:bodyPr>
+          <a:lstStyle/>
+          <a:p>
+            <a:r>
+              <a:rPr lang="en-US" sz="1100" dirty="0"/>
+              <a:t>Different Modes:</a:t>
+            </a:r>
+          </a:p>
+          <a:p>
+            <a:r>
+              <a:rPr lang="en-US" sz="1100" dirty="0"/>
+              <a:t>Train</a:t>
+            </a:r>
+          </a:p>
+          <a:p>
+            <a:r>
+              <a:rPr lang="en-US" sz="1100" dirty="0"/>
+              <a:t>Test</a:t>
+            </a:r>
+          </a:p>
+        </p:txBody>
+      </p:sp>
+      <p:sp>
+        <p:nvSpPr>
+          <p:cNvPr id="40" name="ZoneTexte 39">
+            <a:extLst>
+              <a:ext uri="{FF2B5EF4-FFF2-40B4-BE49-F238E27FC236}">
+                <a16:creationId xmlns:a16="http://schemas.microsoft.com/office/drawing/2014/main" id="{1AAB1557-4DE0-4A50-A1FB-785664C77D24}"/>
+              </a:ext>
+            </a:extLst>
+          </p:cNvPr>
+          <p:cNvSpPr txBox="1"/>
+          <p:nvPr/>
+        </p:nvSpPr>
+        <p:spPr>
+          <a:xfrm>
+            <a:off x="3409025" y="2400203"/>
+            <a:ext cx="788999" cy="369332"/>
+          </a:xfrm>
+          <a:prstGeom prst="rect">
+            <a:avLst/>
+          </a:prstGeom>
+          <a:noFill/>
+        </p:spPr>
+        <p:txBody>
+          <a:bodyPr wrap="none" rtlCol="0">
+            <a:spAutoFit/>
+          </a:bodyPr>
+          <a:lstStyle/>
+          <a:p>
+            <a:r>
+              <a:rPr lang="en-US" dirty="0"/>
+              <a:t>MODE</a:t>
+            </a:r>
+          </a:p>
+        </p:txBody>
+      </p:sp>
+      <p:cxnSp>
+        <p:nvCxnSpPr>
+          <p:cNvPr id="42" name="Connecteur droit avec flèche 41">
+            <a:extLst>
+              <a:ext uri="{FF2B5EF4-FFF2-40B4-BE49-F238E27FC236}">
+                <a16:creationId xmlns:a16="http://schemas.microsoft.com/office/drawing/2014/main" id="{0D1C84A1-8EDE-436D-912E-4DD80BD60DAD}"/>
+              </a:ext>
+            </a:extLst>
+          </p:cNvPr>
+          <p:cNvCxnSpPr>
+            <a:cxnSpLocks/>
+          </p:cNvCxnSpPr>
+          <p:nvPr/>
+        </p:nvCxnSpPr>
+        <p:spPr>
+          <a:xfrm>
+            <a:off x="3409025" y="2812470"/>
+            <a:ext cx="873419" cy="0"/>
+          </a:xfrm>
+          <a:prstGeom prst="straightConnector1">
+            <a:avLst/>
+          </a:prstGeom>
+          <a:ln>
+            <a:tailEnd type="triangle"/>
+          </a:ln>
+        </p:spPr>
+        <p:style>
+          <a:lnRef idx="1">
+            <a:schemeClr val="accent1"/>
+          </a:lnRef>
+          <a:fillRef idx="0">
+            <a:schemeClr val="accent1"/>
+          </a:fillRef>
+          <a:effectRef idx="0">
+            <a:schemeClr val="accent1"/>
+          </a:effectRef>
+          <a:fontRef idx="minor">
+            <a:schemeClr val="tx1"/>
+          </a:fontRef>
+        </p:style>
+      </p:cxnSp>
+      <p:cxnSp>
+        <p:nvCxnSpPr>
+          <p:cNvPr id="44" name="Connecteur droit avec flèche 43">
+            <a:extLst>
+              <a:ext uri="{FF2B5EF4-FFF2-40B4-BE49-F238E27FC236}">
+                <a16:creationId xmlns:a16="http://schemas.microsoft.com/office/drawing/2014/main" id="{1065A8AE-2130-4D86-B77C-90C4CF90A76A}"/>
+              </a:ext>
+            </a:extLst>
+          </p:cNvPr>
+          <p:cNvCxnSpPr>
+            <a:cxnSpLocks/>
+          </p:cNvCxnSpPr>
+          <p:nvPr/>
+        </p:nvCxnSpPr>
+        <p:spPr>
+          <a:xfrm>
+            <a:off x="3409025" y="3248083"/>
+            <a:ext cx="873419" cy="0"/>
+          </a:xfrm>
+          <a:prstGeom prst="straightConnector1">
+            <a:avLst/>
+          </a:prstGeom>
+          <a:ln>
+            <a:tailEnd type="triangle"/>
+          </a:ln>
+        </p:spPr>
+        <p:style>
+          <a:lnRef idx="1">
+            <a:schemeClr val="accent1"/>
+          </a:lnRef>
+          <a:fillRef idx="0">
+            <a:schemeClr val="accent1"/>
+          </a:fillRef>
+          <a:effectRef idx="0">
+            <a:schemeClr val="accent1"/>
+          </a:effectRef>
+          <a:fontRef idx="minor">
+            <a:schemeClr val="tx1"/>
+          </a:fontRef>
+        </p:style>
+      </p:cxnSp>
+      <p:sp>
+        <p:nvSpPr>
+          <p:cNvPr id="45" name="ZoneTexte 44">
+            <a:extLst>
+              <a:ext uri="{FF2B5EF4-FFF2-40B4-BE49-F238E27FC236}">
+                <a16:creationId xmlns:a16="http://schemas.microsoft.com/office/drawing/2014/main" id="{09E1CF3F-9D17-4D6D-AD36-1617A7F5D880}"/>
+              </a:ext>
+            </a:extLst>
+          </p:cNvPr>
+          <p:cNvSpPr txBox="1"/>
+          <p:nvPr/>
+        </p:nvSpPr>
+        <p:spPr>
+          <a:xfrm>
+            <a:off x="3529875" y="2888666"/>
+            <a:ext cx="535724" cy="369332"/>
+          </a:xfrm>
+          <a:prstGeom prst="rect">
+            <a:avLst/>
+          </a:prstGeom>
+          <a:noFill/>
+        </p:spPr>
+        <p:txBody>
+          <a:bodyPr wrap="none" rtlCol="0">
+            <a:spAutoFit/>
+          </a:bodyPr>
+          <a:lstStyle/>
+          <a:p>
+            <a:r>
+              <a:rPr lang="en-US" dirty="0"/>
+              <a:t>EXP</a:t>
+            </a:r>
+          </a:p>
+        </p:txBody>
+      </p:sp>
+      <p:sp>
+        <p:nvSpPr>
+          <p:cNvPr id="47" name="Rectangle : coins arrondis 46">
+            <a:extLst>
+              <a:ext uri="{FF2B5EF4-FFF2-40B4-BE49-F238E27FC236}">
+                <a16:creationId xmlns:a16="http://schemas.microsoft.com/office/drawing/2014/main" id="{74EC1730-A475-44C5-AB24-05AC47086FC3}"/>
+              </a:ext>
+            </a:extLst>
+          </p:cNvPr>
+          <p:cNvSpPr/>
+          <p:nvPr/>
+        </p:nvSpPr>
+        <p:spPr>
+          <a:xfrm>
+            <a:off x="1303716" y="2112885"/>
+            <a:ext cx="1483368" cy="1719036"/>
+          </a:xfrm>
+          <a:prstGeom prst="roundRect">
+            <a:avLst/>
+          </a:prstGeom>
+        </p:spPr>
+        <p:style>
+          <a:lnRef idx="2">
+            <a:schemeClr val="accent1">
+              <a:shade val="50000"/>
+            </a:schemeClr>
+          </a:lnRef>
+          <a:fillRef idx="1">
+            <a:schemeClr val="accent1"/>
+          </a:fillRef>
+          <a:effectRef idx="0">
+            <a:schemeClr val="accent1"/>
+          </a:effectRef>
+          <a:fontRef idx="minor">
+            <a:schemeClr val="lt1"/>
+          </a:fontRef>
+        </p:style>
+        <p:txBody>
+          <a:bodyPr rtlCol="0" anchor="ctr"/>
+          <a:lstStyle/>
+          <a:p>
+            <a:pPr algn="ctr"/>
+            <a:r>
+              <a:rPr lang="en-US" dirty="0"/>
+              <a:t>Generator Database</a:t>
+            </a:r>
+          </a:p>
+        </p:txBody>
+      </p:sp>
+    </p:spTree>
+    <p:extLst>
+      <p:ext uri="{BB962C8B-B14F-4D97-AF65-F5344CB8AC3E}">
+        <p14:creationId xmlns:p14="http://schemas.microsoft.com/office/powerpoint/2010/main" val="1092363979"/>
       </p:ext>
     </p:extLst>
   </p:cSld>
